--- a/Movie_analysis_ppp.pptx
+++ b/Movie_analysis_ppp.pptx
@@ -2252,6 +2252,13 @@
         </dgm:presLayoutVars>
       </dgm:prSet>
       <dgm:spPr/>
+      <dgm:t>
+        <a:bodyPr/>
+        <a:lstStyle/>
+        <a:p>
+          <a:endParaRPr lang="en-US"/>
+        </a:p>
+      </dgm:t>
     </dgm:pt>
     <dgm:pt modelId="{8C8E559B-6E82-C541-8FAD-24C88DBF6E8C}" type="pres">
       <dgm:prSet presAssocID="{AAD2B035-BEDD-8C4B-B1B2-37762FAC7C07}" presName="compNode" presStyleCnt="0"/>
@@ -2324,6 +2331,13 @@
     <dgm:pt modelId="{3AB9FD88-6F86-6C40-B4B2-6EEF623B96E7}" type="pres">
       <dgm:prSet presAssocID="{67008B38-9E4B-D742-8777-ECF939E3867D}" presName="sibTrans" presStyleLbl="sibTrans2D1" presStyleIdx="0" presStyleCnt="0"/>
       <dgm:spPr/>
+      <dgm:t>
+        <a:bodyPr/>
+        <a:lstStyle/>
+        <a:p>
+          <a:endParaRPr lang="en-US"/>
+        </a:p>
+      </dgm:t>
     </dgm:pt>
     <dgm:pt modelId="{05DCD074-92CB-334D-8BE0-D81AE0F77EFF}" type="pres">
       <dgm:prSet presAssocID="{8AAF4E7E-4372-F143-9CC9-7D56DB70623A}" presName="compNode" presStyleCnt="0"/>
@@ -2336,6 +2350,13 @@
         </dgm:presLayoutVars>
       </dgm:prSet>
       <dgm:spPr/>
+      <dgm:t>
+        <a:bodyPr/>
+        <a:lstStyle/>
+        <a:p>
+          <a:endParaRPr lang="en-US"/>
+        </a:p>
+      </dgm:t>
     </dgm:pt>
     <dgm:pt modelId="{FF3F1502-DD68-3240-A877-481769CD8852}" type="pres">
       <dgm:prSet presAssocID="{8AAF4E7E-4372-F143-9CC9-7D56DB70623A}" presName="parentText" presStyleLbl="node1" presStyleIdx="0" presStyleCnt="0">
@@ -2345,10 +2366,24 @@
         </dgm:presLayoutVars>
       </dgm:prSet>
       <dgm:spPr/>
+      <dgm:t>
+        <a:bodyPr/>
+        <a:lstStyle/>
+        <a:p>
+          <a:endParaRPr lang="en-US"/>
+        </a:p>
+      </dgm:t>
     </dgm:pt>
     <dgm:pt modelId="{BA0FF79A-877C-7C46-A6D4-7EEB2A74FAD5}" type="pres">
       <dgm:prSet presAssocID="{8AAF4E7E-4372-F143-9CC9-7D56DB70623A}" presName="parentRect" presStyleLbl="alignNode1" presStyleIdx="1" presStyleCnt="4"/>
       <dgm:spPr/>
+      <dgm:t>
+        <a:bodyPr/>
+        <a:lstStyle/>
+        <a:p>
+          <a:endParaRPr lang="en-US"/>
+        </a:p>
+      </dgm:t>
     </dgm:pt>
     <dgm:pt modelId="{B76D3491-D1FC-9842-B746-A79F181C0F6A}" type="pres">
       <dgm:prSet presAssocID="{8AAF4E7E-4372-F143-9CC9-7D56DB70623A}" presName="adorn" presStyleLbl="fgAccFollowNode1" presStyleIdx="1" presStyleCnt="4"/>
@@ -2357,6 +2392,13 @@
     <dgm:pt modelId="{BC679418-3061-9D47-919D-A140898FD0B1}" type="pres">
       <dgm:prSet presAssocID="{01760AA8-13DE-D14B-97FB-0EA746637478}" presName="sibTrans" presStyleLbl="sibTrans2D1" presStyleIdx="0" presStyleCnt="0"/>
       <dgm:spPr/>
+      <dgm:t>
+        <a:bodyPr/>
+        <a:lstStyle/>
+        <a:p>
+          <a:endParaRPr lang="en-US"/>
+        </a:p>
+      </dgm:t>
     </dgm:pt>
     <dgm:pt modelId="{C35D4996-6F7A-C843-B04D-0C78B05E6576}" type="pres">
       <dgm:prSet presAssocID="{F465B9D3-6A19-F346-B7E2-3B41AAB90509}" presName="compNode" presStyleCnt="0"/>
@@ -2369,6 +2411,13 @@
         </dgm:presLayoutVars>
       </dgm:prSet>
       <dgm:spPr/>
+      <dgm:t>
+        <a:bodyPr/>
+        <a:lstStyle/>
+        <a:p>
+          <a:endParaRPr lang="en-US"/>
+        </a:p>
+      </dgm:t>
     </dgm:pt>
     <dgm:pt modelId="{D61EF780-8295-9440-A73A-D96C67406D8E}" type="pres">
       <dgm:prSet presAssocID="{F465B9D3-6A19-F346-B7E2-3B41AAB90509}" presName="parentText" presStyleLbl="node1" presStyleIdx="0" presStyleCnt="0">
@@ -2414,6 +2463,13 @@
     <dgm:pt modelId="{BCF3CA5E-5F7F-CA45-B35C-22D5E9D9642C}" type="pres">
       <dgm:prSet presAssocID="{0EBB6EFD-ABEF-4E43-B54C-05338C1B8885}" presName="sibTrans" presStyleLbl="sibTrans2D1" presStyleIdx="0" presStyleCnt="0"/>
       <dgm:spPr/>
+      <dgm:t>
+        <a:bodyPr/>
+        <a:lstStyle/>
+        <a:p>
+          <a:endParaRPr lang="en-US"/>
+        </a:p>
+      </dgm:t>
     </dgm:pt>
     <dgm:pt modelId="{62905498-0ABD-3A49-AFAF-8EE717073213}" type="pres">
       <dgm:prSet presAssocID="{C5BC228B-EB59-DF44-83BD-7072183ADF39}" presName="compNode" presStyleCnt="0"/>
@@ -2426,6 +2482,13 @@
         </dgm:presLayoutVars>
       </dgm:prSet>
       <dgm:spPr/>
+      <dgm:t>
+        <a:bodyPr/>
+        <a:lstStyle/>
+        <a:p>
+          <a:endParaRPr lang="en-US"/>
+        </a:p>
+      </dgm:t>
     </dgm:pt>
     <dgm:pt modelId="{D36900A0-E1C4-134F-A5FB-059A1DCE5D8A}" type="pres">
       <dgm:prSet presAssocID="{C5BC228B-EB59-DF44-83BD-7072183ADF39}" presName="parentText" presStyleLbl="node1" presStyleIdx="0" presStyleCnt="0">
@@ -2435,10 +2498,24 @@
         </dgm:presLayoutVars>
       </dgm:prSet>
       <dgm:spPr/>
+      <dgm:t>
+        <a:bodyPr/>
+        <a:lstStyle/>
+        <a:p>
+          <a:endParaRPr lang="en-US"/>
+        </a:p>
+      </dgm:t>
     </dgm:pt>
     <dgm:pt modelId="{2CF7B694-26C2-A743-9EFE-9D0E8CFC8F15}" type="pres">
       <dgm:prSet presAssocID="{C5BC228B-EB59-DF44-83BD-7072183ADF39}" presName="parentRect" presStyleLbl="alignNode1" presStyleIdx="3" presStyleCnt="4"/>
       <dgm:spPr/>
+      <dgm:t>
+        <a:bodyPr/>
+        <a:lstStyle/>
+        <a:p>
+          <a:endParaRPr lang="en-US"/>
+        </a:p>
+      </dgm:t>
     </dgm:pt>
     <dgm:pt modelId="{545629AF-645E-8548-9169-AEF278DFE4CB}" type="pres">
       <dgm:prSet presAssocID="{C5BC228B-EB59-DF44-83BD-7072183ADF39}" presName="adorn" presStyleLbl="fgAccFollowNode1" presStyleIdx="3" presStyleCnt="4"/>
@@ -2446,30 +2523,30 @@
     </dgm:pt>
   </dgm:ptLst>
   <dgm:cxnLst>
+    <dgm:cxn modelId="{503F82A8-CCF2-AB4B-83E4-710C66ACD604}" type="presOf" srcId="{C5BC228B-EB59-DF44-83BD-7072183ADF39}" destId="{D36900A0-E1C4-134F-A5FB-059A1DCE5D8A}" srcOrd="0" destOrd="0" presId="urn:microsoft.com/office/officeart/2005/8/layout/bList2"/>
+    <dgm:cxn modelId="{88F9EE0B-0100-174A-B5FD-571D8DAB9112}" type="presOf" srcId="{15DAAFDE-5142-F748-9BEC-DA181F5531D1}" destId="{0845D79D-DCFB-B947-9EAA-0D09D00CBC1C}" srcOrd="0" destOrd="0" presId="urn:microsoft.com/office/officeart/2005/8/layout/bList2"/>
+    <dgm:cxn modelId="{0EABBB62-F849-EA4E-BF96-03DAECF9233F}" srcId="{DEF7B2EA-2765-9042-915E-8DC461F1AA69}" destId="{AAD2B035-BEDD-8C4B-B1B2-37762FAC7C07}" srcOrd="0" destOrd="0" parTransId="{8B29EC46-D5C0-3F42-A829-D511CC87B9FB}" sibTransId="{67008B38-9E4B-D742-8777-ECF939E3867D}"/>
+    <dgm:cxn modelId="{3D60A898-7030-A542-B63B-3D34C9125B0A}" type="presOf" srcId="{C5BC228B-EB59-DF44-83BD-7072183ADF39}" destId="{2CF7B694-26C2-A743-9EFE-9D0E8CFC8F15}" srcOrd="1" destOrd="0" presId="urn:microsoft.com/office/officeart/2005/8/layout/bList2"/>
+    <dgm:cxn modelId="{3DC86A33-BDBF-BF40-BC4E-AE9285072A09}" type="presOf" srcId="{942F626E-E121-0E45-B6CB-0DD01625BF62}" destId="{4779B33E-4409-AE45-87D2-967CC7A5C904}" srcOrd="0" destOrd="0" presId="urn:microsoft.com/office/officeart/2005/8/layout/bList2"/>
+    <dgm:cxn modelId="{AD20B249-D631-0846-8514-8412D0AD3E4F}" srcId="{DEF7B2EA-2765-9042-915E-8DC461F1AA69}" destId="{C5BC228B-EB59-DF44-83BD-7072183ADF39}" srcOrd="3" destOrd="0" parTransId="{748BFC0C-906F-BD42-9CD3-6F23919C2610}" sibTransId="{1ACB9F63-7AB4-E542-9691-026D3479C9DB}"/>
+    <dgm:cxn modelId="{F2D29628-C0E8-6E44-917B-B6333E04B45A}" type="presOf" srcId="{8AAF4E7E-4372-F143-9CC9-7D56DB70623A}" destId="{FF3F1502-DD68-3240-A877-481769CD8852}" srcOrd="0" destOrd="0" presId="urn:microsoft.com/office/officeart/2005/8/layout/bList2"/>
+    <dgm:cxn modelId="{7F1ADF1F-E793-1D46-91DE-5CD985B97817}" type="presOf" srcId="{8AAF4E7E-4372-F143-9CC9-7D56DB70623A}" destId="{BA0FF79A-877C-7C46-A6D4-7EEB2A74FAD5}" srcOrd="1" destOrd="0" presId="urn:microsoft.com/office/officeart/2005/8/layout/bList2"/>
+    <dgm:cxn modelId="{EFF2793B-3D04-E94A-B08B-8936A3419D38}" type="presOf" srcId="{67008B38-9E4B-D742-8777-ECF939E3867D}" destId="{3AB9FD88-6F86-6C40-B4B2-6EEF623B96E7}" srcOrd="0" destOrd="0" presId="urn:microsoft.com/office/officeart/2005/8/layout/bList2"/>
+    <dgm:cxn modelId="{9F7D4187-322B-7C4A-8EEF-4E876F237880}" type="presOf" srcId="{2FDA20BF-2794-4241-8E65-7D453D1AE53E}" destId="{84A25E4D-445F-4146-9AF9-AA344EA8CD5F}" srcOrd="0" destOrd="0" presId="urn:microsoft.com/office/officeart/2005/8/layout/bList2"/>
+    <dgm:cxn modelId="{BE13B5E0-BC7A-0142-8EF7-D68C9963A3D4}" srcId="{DEF7B2EA-2765-9042-915E-8DC461F1AA69}" destId="{F465B9D3-6A19-F346-B7E2-3B41AAB90509}" srcOrd="2" destOrd="0" parTransId="{73761B22-BD14-C740-A946-0F784B8184B0}" sibTransId="{0EBB6EFD-ABEF-4E43-B54C-05338C1B8885}"/>
+    <dgm:cxn modelId="{BB4BBF9F-AFCC-9A45-90DA-87C51F44DA7E}" type="presOf" srcId="{01760AA8-13DE-D14B-97FB-0EA746637478}" destId="{BC679418-3061-9D47-919D-A140898FD0B1}" srcOrd="0" destOrd="0" presId="urn:microsoft.com/office/officeart/2005/8/layout/bList2"/>
+    <dgm:cxn modelId="{8126A41F-397C-B641-AA76-487F4AC608B8}" type="presOf" srcId="{AAD2B035-BEDD-8C4B-B1B2-37762FAC7C07}" destId="{01EC9B09-7770-4C4F-A5CE-D05A7510043B}" srcOrd="0" destOrd="0" presId="urn:microsoft.com/office/officeart/2005/8/layout/bList2"/>
+    <dgm:cxn modelId="{51AC04F1-44E1-9A4C-80EC-301F66BF4C31}" type="presOf" srcId="{70014A18-9872-244A-9EE9-1694BB762209}" destId="{068FC6B2-5F58-EB43-B2B9-C986697261FD}" srcOrd="0" destOrd="0" presId="urn:microsoft.com/office/officeart/2005/8/layout/bList2"/>
     <dgm:cxn modelId="{CF6EC0CB-9F87-2943-ABAE-EC080D9CEC1F}" type="presOf" srcId="{F465B9D3-6A19-F346-B7E2-3B41AAB90509}" destId="{6BB11D24-3967-5744-8BD6-4BAFB361EA27}" srcOrd="1" destOrd="0" presId="urn:microsoft.com/office/officeart/2005/8/layout/bList2"/>
-    <dgm:cxn modelId="{BB4BBF9F-AFCC-9A45-90DA-87C51F44DA7E}" type="presOf" srcId="{01760AA8-13DE-D14B-97FB-0EA746637478}" destId="{BC679418-3061-9D47-919D-A140898FD0B1}" srcOrd="0" destOrd="0" presId="urn:microsoft.com/office/officeart/2005/8/layout/bList2"/>
     <dgm:cxn modelId="{1E4AE993-ADA5-0541-8CBC-9FE03AF1F8CF}" srcId="{F465B9D3-6A19-F346-B7E2-3B41AAB90509}" destId="{942F626E-E121-0E45-B6CB-0DD01625BF62}" srcOrd="0" destOrd="0" parTransId="{61924464-74A1-5E4D-80A0-748F4EAC9C91}" sibTransId="{0219FA8C-6257-3648-A98A-AA791ED3B418}"/>
-    <dgm:cxn modelId="{F2D29628-C0E8-6E44-917B-B6333E04B45A}" type="presOf" srcId="{8AAF4E7E-4372-F143-9CC9-7D56DB70623A}" destId="{FF3F1502-DD68-3240-A877-481769CD8852}" srcOrd="0" destOrd="0" presId="urn:microsoft.com/office/officeart/2005/8/layout/bList2"/>
-    <dgm:cxn modelId="{88F9EE0B-0100-174A-B5FD-571D8DAB9112}" type="presOf" srcId="{15DAAFDE-5142-F748-9BEC-DA181F5531D1}" destId="{0845D79D-DCFB-B947-9EAA-0D09D00CBC1C}" srcOrd="0" destOrd="0" presId="urn:microsoft.com/office/officeart/2005/8/layout/bList2"/>
-    <dgm:cxn modelId="{BE13B5E0-BC7A-0142-8EF7-D68C9963A3D4}" srcId="{DEF7B2EA-2765-9042-915E-8DC461F1AA69}" destId="{F465B9D3-6A19-F346-B7E2-3B41AAB90509}" srcOrd="2" destOrd="0" parTransId="{73761B22-BD14-C740-A946-0F784B8184B0}" sibTransId="{0EBB6EFD-ABEF-4E43-B54C-05338C1B8885}"/>
-    <dgm:cxn modelId="{7F1ADF1F-E793-1D46-91DE-5CD985B97817}" type="presOf" srcId="{8AAF4E7E-4372-F143-9CC9-7D56DB70623A}" destId="{BA0FF79A-877C-7C46-A6D4-7EEB2A74FAD5}" srcOrd="1" destOrd="0" presId="urn:microsoft.com/office/officeart/2005/8/layout/bList2"/>
+    <dgm:cxn modelId="{89343BAF-8CCD-2045-9E21-B546982D5C6F}" srcId="{C5BC228B-EB59-DF44-83BD-7072183ADF39}" destId="{15DAAFDE-5142-F748-9BEC-DA181F5531D1}" srcOrd="0" destOrd="0" parTransId="{4F5EDD40-792F-0041-ABA3-AB7A010F81DD}" sibTransId="{8F12DACE-8FEF-AF45-9ABF-4B6F05D902D3}"/>
+    <dgm:cxn modelId="{C1E7B1DE-5CC2-8B40-ABA8-3779E5B5BCDE}" srcId="{DEF7B2EA-2765-9042-915E-8DC461F1AA69}" destId="{8AAF4E7E-4372-F143-9CC9-7D56DB70623A}" srcOrd="1" destOrd="0" parTransId="{2C93B9E3-EC8D-9641-9B47-9417D22D4A18}" sibTransId="{01760AA8-13DE-D14B-97FB-0EA746637478}"/>
+    <dgm:cxn modelId="{73A68BFB-2AD8-4D4C-9E34-5EE34C58006E}" type="presOf" srcId="{DEF7B2EA-2765-9042-915E-8DC461F1AA69}" destId="{470E9351-19C2-CC46-A889-7FB819C4D3A8}" srcOrd="0" destOrd="0" presId="urn:microsoft.com/office/officeart/2005/8/layout/bList2"/>
     <dgm:cxn modelId="{2C197CC7-709D-8F41-B74B-6223700FF17B}" srcId="{AAD2B035-BEDD-8C4B-B1B2-37762FAC7C07}" destId="{70014A18-9872-244A-9EE9-1694BB762209}" srcOrd="0" destOrd="0" parTransId="{6B604833-79DE-F54D-A7BA-F33C9EE01AD3}" sibTransId="{0BA3B64A-F94E-3D41-9621-0BC13C367E71}"/>
-    <dgm:cxn modelId="{EFF2793B-3D04-E94A-B08B-8936A3419D38}" type="presOf" srcId="{67008B38-9E4B-D742-8777-ECF939E3867D}" destId="{3AB9FD88-6F86-6C40-B4B2-6EEF623B96E7}" srcOrd="0" destOrd="0" presId="urn:microsoft.com/office/officeart/2005/8/layout/bList2"/>
-    <dgm:cxn modelId="{51AC04F1-44E1-9A4C-80EC-301F66BF4C31}" type="presOf" srcId="{70014A18-9872-244A-9EE9-1694BB762209}" destId="{068FC6B2-5F58-EB43-B2B9-C986697261FD}" srcOrd="0" destOrd="0" presId="urn:microsoft.com/office/officeart/2005/8/layout/bList2"/>
-    <dgm:cxn modelId="{C1E7B1DE-5CC2-8B40-ABA8-3779E5B5BCDE}" srcId="{DEF7B2EA-2765-9042-915E-8DC461F1AA69}" destId="{8AAF4E7E-4372-F143-9CC9-7D56DB70623A}" srcOrd="1" destOrd="0" parTransId="{2C93B9E3-EC8D-9641-9B47-9417D22D4A18}" sibTransId="{01760AA8-13DE-D14B-97FB-0EA746637478}"/>
+    <dgm:cxn modelId="{B6A738C3-EA8C-A546-A43D-905D8D4CC08D}" srcId="{8AAF4E7E-4372-F143-9CC9-7D56DB70623A}" destId="{2FDA20BF-2794-4241-8E65-7D453D1AE53E}" srcOrd="0" destOrd="0" parTransId="{7B0EE90F-9506-D54B-86C0-0B4E30215737}" sibTransId="{9BCFE439-7D3E-424E-9DA0-6507788F1050}"/>
+    <dgm:cxn modelId="{8A38CCB8-24C7-DE4A-AD29-0D035FC8D1F7}" type="presOf" srcId="{F465B9D3-6A19-F346-B7E2-3B41AAB90509}" destId="{D61EF780-8295-9440-A73A-D96C67406D8E}" srcOrd="0" destOrd="0" presId="urn:microsoft.com/office/officeart/2005/8/layout/bList2"/>
     <dgm:cxn modelId="{47D043E4-F204-9A45-A343-2C5FE2631989}" type="presOf" srcId="{0EBB6EFD-ABEF-4E43-B54C-05338C1B8885}" destId="{BCF3CA5E-5F7F-CA45-B35C-22D5E9D9642C}" srcOrd="0" destOrd="0" presId="urn:microsoft.com/office/officeart/2005/8/layout/bList2"/>
-    <dgm:cxn modelId="{AD20B249-D631-0846-8514-8412D0AD3E4F}" srcId="{DEF7B2EA-2765-9042-915E-8DC461F1AA69}" destId="{C5BC228B-EB59-DF44-83BD-7072183ADF39}" srcOrd="3" destOrd="0" parTransId="{748BFC0C-906F-BD42-9CD3-6F23919C2610}" sibTransId="{1ACB9F63-7AB4-E542-9691-026D3479C9DB}"/>
-    <dgm:cxn modelId="{3DC86A33-BDBF-BF40-BC4E-AE9285072A09}" type="presOf" srcId="{942F626E-E121-0E45-B6CB-0DD01625BF62}" destId="{4779B33E-4409-AE45-87D2-967CC7A5C904}" srcOrd="0" destOrd="0" presId="urn:microsoft.com/office/officeart/2005/8/layout/bList2"/>
-    <dgm:cxn modelId="{8126A41F-397C-B641-AA76-487F4AC608B8}" type="presOf" srcId="{AAD2B035-BEDD-8C4B-B1B2-37762FAC7C07}" destId="{01EC9B09-7770-4C4F-A5CE-D05A7510043B}" srcOrd="0" destOrd="0" presId="urn:microsoft.com/office/officeart/2005/8/layout/bList2"/>
-    <dgm:cxn modelId="{3D60A898-7030-A542-B63B-3D34C9125B0A}" type="presOf" srcId="{C5BC228B-EB59-DF44-83BD-7072183ADF39}" destId="{2CF7B694-26C2-A743-9EFE-9D0E8CFC8F15}" srcOrd="1" destOrd="0" presId="urn:microsoft.com/office/officeart/2005/8/layout/bList2"/>
-    <dgm:cxn modelId="{0EABBB62-F849-EA4E-BF96-03DAECF9233F}" srcId="{DEF7B2EA-2765-9042-915E-8DC461F1AA69}" destId="{AAD2B035-BEDD-8C4B-B1B2-37762FAC7C07}" srcOrd="0" destOrd="0" parTransId="{8B29EC46-D5C0-3F42-A829-D511CC87B9FB}" sibTransId="{67008B38-9E4B-D742-8777-ECF939E3867D}"/>
-    <dgm:cxn modelId="{8A38CCB8-24C7-DE4A-AD29-0D035FC8D1F7}" type="presOf" srcId="{F465B9D3-6A19-F346-B7E2-3B41AAB90509}" destId="{D61EF780-8295-9440-A73A-D96C67406D8E}" srcOrd="0" destOrd="0" presId="urn:microsoft.com/office/officeart/2005/8/layout/bList2"/>
-    <dgm:cxn modelId="{503F82A8-CCF2-AB4B-83E4-710C66ACD604}" type="presOf" srcId="{C5BC228B-EB59-DF44-83BD-7072183ADF39}" destId="{D36900A0-E1C4-134F-A5FB-059A1DCE5D8A}" srcOrd="0" destOrd="0" presId="urn:microsoft.com/office/officeart/2005/8/layout/bList2"/>
-    <dgm:cxn modelId="{B6A738C3-EA8C-A546-A43D-905D8D4CC08D}" srcId="{8AAF4E7E-4372-F143-9CC9-7D56DB70623A}" destId="{2FDA20BF-2794-4241-8E65-7D453D1AE53E}" srcOrd="0" destOrd="0" parTransId="{7B0EE90F-9506-D54B-86C0-0B4E30215737}" sibTransId="{9BCFE439-7D3E-424E-9DA0-6507788F1050}"/>
     <dgm:cxn modelId="{89E82871-A149-0E4B-9FBD-F68B25256779}" type="presOf" srcId="{AAD2B035-BEDD-8C4B-B1B2-37762FAC7C07}" destId="{DB209F2E-8966-594C-8AE7-C2B3DDB63F19}" srcOrd="1" destOrd="0" presId="urn:microsoft.com/office/officeart/2005/8/layout/bList2"/>
-    <dgm:cxn modelId="{89343BAF-8CCD-2045-9E21-B546982D5C6F}" srcId="{C5BC228B-EB59-DF44-83BD-7072183ADF39}" destId="{15DAAFDE-5142-F748-9BEC-DA181F5531D1}" srcOrd="0" destOrd="0" parTransId="{4F5EDD40-792F-0041-ABA3-AB7A010F81DD}" sibTransId="{8F12DACE-8FEF-AF45-9ABF-4B6F05D902D3}"/>
-    <dgm:cxn modelId="{9F7D4187-322B-7C4A-8EEF-4E876F237880}" type="presOf" srcId="{2FDA20BF-2794-4241-8E65-7D453D1AE53E}" destId="{84A25E4D-445F-4146-9AF9-AA344EA8CD5F}" srcOrd="0" destOrd="0" presId="urn:microsoft.com/office/officeart/2005/8/layout/bList2"/>
-    <dgm:cxn modelId="{73A68BFB-2AD8-4D4C-9E34-5EE34C58006E}" type="presOf" srcId="{DEF7B2EA-2765-9042-915E-8DC461F1AA69}" destId="{470E9351-19C2-CC46-A889-7FB819C4D3A8}" srcOrd="0" destOrd="0" presId="urn:microsoft.com/office/officeart/2005/8/layout/bList2"/>
     <dgm:cxn modelId="{AAF669B7-A5D6-F642-9DAF-BDD95E3EA0CA}" type="presParOf" srcId="{470E9351-19C2-CC46-A889-7FB819C4D3A8}" destId="{8C8E559B-6E82-C541-8FAD-24C88DBF6E8C}" srcOrd="0" destOrd="0" presId="urn:microsoft.com/office/officeart/2005/8/layout/bList2"/>
     <dgm:cxn modelId="{12E2776F-BBAB-0A45-B212-7C6483E4FCBA}" type="presParOf" srcId="{8C8E559B-6E82-C541-8FAD-24C88DBF6E8C}" destId="{068FC6B2-5F58-EB43-B2B9-C986697261FD}" srcOrd="0" destOrd="0" presId="urn:microsoft.com/office/officeart/2005/8/layout/bList2"/>
     <dgm:cxn modelId="{99EFE205-A546-B54A-A591-FF30B832B2CF}" type="presParOf" srcId="{8C8E559B-6E82-C541-8FAD-24C88DBF6E8C}" destId="{01EC9B09-7770-4C4F-A5CE-D05A7510043B}" srcOrd="1" destOrd="0" presId="urn:microsoft.com/office/officeart/2005/8/layout/bList2"/>
@@ -6930,7 +7007,7 @@
           <a:p>
             <a:fld id="{3682D837-3ABC-4948-A786-0419D208D8FF}" type="datetimeFigureOut">
               <a:rPr lang="en-US" smtClean="0"/>
-              <a:t>5/6/22</a:t>
+              <a:t>5/11/22</a:t>
             </a:fld>
             <a:endParaRPr lang="en-US"/>
           </a:p>
@@ -7366,6 +7443,90 @@
 </p:notes>
 </file>
 
+<file path=ppt/notesSlides/notesSlide3.xml><?xml version="1.0" encoding="utf-8"?>
+<p:notes xmlns:a="http://schemas.openxmlformats.org/drawingml/2006/main" xmlns:r="http://schemas.openxmlformats.org/officeDocument/2006/relationships" xmlns:p="http://schemas.openxmlformats.org/presentationml/2006/main">
+  <p:cSld>
+    <p:spTree>
+      <p:nvGrpSpPr>
+        <p:cNvPr id="1" name=""/>
+        <p:cNvGrpSpPr/>
+        <p:nvPr/>
+      </p:nvGrpSpPr>
+      <p:grpSpPr>
+        <a:xfrm>
+          <a:off x="0" y="0"/>
+          <a:ext cx="0" cy="0"/>
+          <a:chOff x="0" y="0"/>
+          <a:chExt cx="0" cy="0"/>
+        </a:xfrm>
+      </p:grpSpPr>
+      <p:sp>
+        <p:nvSpPr>
+          <p:cNvPr id="2" name="Slide Image Placeholder 1"/>
+          <p:cNvSpPr>
+            <a:spLocks noGrp="1" noRot="1" noChangeAspect="1"/>
+          </p:cNvSpPr>
+          <p:nvPr>
+            <p:ph type="sldImg"/>
+          </p:nvPr>
+        </p:nvSpPr>
+        <p:spPr/>
+      </p:sp>
+      <p:sp>
+        <p:nvSpPr>
+          <p:cNvPr id="3" name="Notes Placeholder 2"/>
+          <p:cNvSpPr>
+            <a:spLocks noGrp="1"/>
+          </p:cNvSpPr>
+          <p:nvPr>
+            <p:ph type="body" idx="1"/>
+          </p:nvPr>
+        </p:nvSpPr>
+        <p:spPr/>
+        <p:txBody>
+          <a:bodyPr/>
+          <a:lstStyle/>
+          <a:p>
+            <a:endParaRPr lang="en-US"/>
+          </a:p>
+        </p:txBody>
+      </p:sp>
+      <p:sp>
+        <p:nvSpPr>
+          <p:cNvPr id="4" name="Slide Number Placeholder 3"/>
+          <p:cNvSpPr>
+            <a:spLocks noGrp="1"/>
+          </p:cNvSpPr>
+          <p:nvPr>
+            <p:ph type="sldNum" sz="quarter" idx="10"/>
+          </p:nvPr>
+        </p:nvSpPr>
+        <p:spPr/>
+        <p:txBody>
+          <a:bodyPr/>
+          <a:lstStyle/>
+          <a:p>
+            <a:fld id="{99614013-6D52-2646-AFD2-5269C05CE95E}" type="slidenum">
+              <a:rPr lang="en-US" smtClean="0"/>
+              <a:t>14</a:t>
+            </a:fld>
+            <a:endParaRPr lang="en-US"/>
+          </a:p>
+        </p:txBody>
+      </p:sp>
+    </p:spTree>
+    <p:extLst>
+      <p:ext uri="{BB962C8B-B14F-4D97-AF65-F5344CB8AC3E}">
+        <p14:creationId xmlns:p14="http://schemas.microsoft.com/office/powerpoint/2010/main" val="600852960"/>
+      </p:ext>
+    </p:extLst>
+  </p:cSld>
+  <p:clrMapOvr>
+    <a:masterClrMapping/>
+  </p:clrMapOvr>
+</p:notes>
+</file>
+
 <file path=ppt/slideLayouts/slideLayout1.xml><?xml version="1.0" encoding="utf-8"?>
 <p:sldLayout xmlns:a="http://schemas.openxmlformats.org/drawingml/2006/main" xmlns:r="http://schemas.openxmlformats.org/officeDocument/2006/relationships" xmlns:p="http://schemas.openxmlformats.org/presentationml/2006/main" type="title" preserve="1">
   <p:cSld name="Title Slide">
@@ -7497,7 +7658,7 @@
           <a:p>
             <a:fld id="{3E0EC815-B472-534B-B17B-EBFC292FBDDC}" type="datetimeFigureOut">
               <a:rPr lang="en-US" smtClean="0"/>
-              <a:t>5/6/22</a:t>
+              <a:t>5/11/22</a:t>
             </a:fld>
             <a:endParaRPr lang="en-US"/>
           </a:p>
@@ -7667,7 +7828,7 @@
           <a:p>
             <a:fld id="{3E0EC815-B472-534B-B17B-EBFC292FBDDC}" type="datetimeFigureOut">
               <a:rPr lang="en-US" smtClean="0"/>
-              <a:t>5/6/22</a:t>
+              <a:t>5/11/22</a:t>
             </a:fld>
             <a:endParaRPr lang="en-US"/>
           </a:p>
@@ -7847,7 +8008,7 @@
           <a:p>
             <a:fld id="{3E0EC815-B472-534B-B17B-EBFC292FBDDC}" type="datetimeFigureOut">
               <a:rPr lang="en-US" smtClean="0"/>
-              <a:t>5/6/22</a:t>
+              <a:t>5/11/22</a:t>
             </a:fld>
             <a:endParaRPr lang="en-US"/>
           </a:p>
@@ -8017,7 +8178,7 @@
           <a:p>
             <a:fld id="{3E0EC815-B472-534B-B17B-EBFC292FBDDC}" type="datetimeFigureOut">
               <a:rPr lang="en-US" smtClean="0"/>
-              <a:t>5/6/22</a:t>
+              <a:t>5/11/22</a:t>
             </a:fld>
             <a:endParaRPr lang="en-US"/>
           </a:p>
@@ -8263,7 +8424,7 @@
           <a:p>
             <a:fld id="{3E0EC815-B472-534B-B17B-EBFC292FBDDC}" type="datetimeFigureOut">
               <a:rPr lang="en-US" smtClean="0"/>
-              <a:t>5/6/22</a:t>
+              <a:t>5/11/22</a:t>
             </a:fld>
             <a:endParaRPr lang="en-US"/>
           </a:p>
@@ -8495,7 +8656,7 @@
           <a:p>
             <a:fld id="{3E0EC815-B472-534B-B17B-EBFC292FBDDC}" type="datetimeFigureOut">
               <a:rPr lang="en-US" smtClean="0"/>
-              <a:t>5/6/22</a:t>
+              <a:t>5/11/22</a:t>
             </a:fld>
             <a:endParaRPr lang="en-US"/>
           </a:p>
@@ -8862,7 +9023,7 @@
           <a:p>
             <a:fld id="{3E0EC815-B472-534B-B17B-EBFC292FBDDC}" type="datetimeFigureOut">
               <a:rPr lang="en-US" smtClean="0"/>
-              <a:t>5/6/22</a:t>
+              <a:t>5/11/22</a:t>
             </a:fld>
             <a:endParaRPr lang="en-US"/>
           </a:p>
@@ -8980,7 +9141,7 @@
           <a:p>
             <a:fld id="{3E0EC815-B472-534B-B17B-EBFC292FBDDC}" type="datetimeFigureOut">
               <a:rPr lang="en-US" smtClean="0"/>
-              <a:t>5/6/22</a:t>
+              <a:t>5/11/22</a:t>
             </a:fld>
             <a:endParaRPr lang="en-US"/>
           </a:p>
@@ -9075,7 +9236,7 @@
           <a:p>
             <a:fld id="{3E0EC815-B472-534B-B17B-EBFC292FBDDC}" type="datetimeFigureOut">
               <a:rPr lang="en-US" smtClean="0"/>
-              <a:t>5/6/22</a:t>
+              <a:t>5/11/22</a:t>
             </a:fld>
             <a:endParaRPr lang="en-US"/>
           </a:p>
@@ -9352,7 +9513,7 @@
           <a:p>
             <a:fld id="{3E0EC815-B472-534B-B17B-EBFC292FBDDC}" type="datetimeFigureOut">
               <a:rPr lang="en-US" smtClean="0"/>
-              <a:t>5/6/22</a:t>
+              <a:t>5/11/22</a:t>
             </a:fld>
             <a:endParaRPr lang="en-US"/>
           </a:p>
@@ -9609,7 +9770,7 @@
           <a:p>
             <a:fld id="{3E0EC815-B472-534B-B17B-EBFC292FBDDC}" type="datetimeFigureOut">
               <a:rPr lang="en-US" smtClean="0"/>
-              <a:t>5/6/22</a:t>
+              <a:t>5/11/22</a:t>
             </a:fld>
             <a:endParaRPr lang="en-US"/>
           </a:p>
@@ -9822,7 +9983,7 @@
           <a:p>
             <a:fld id="{3E0EC815-B472-534B-B17B-EBFC292FBDDC}" type="datetimeFigureOut">
               <a:rPr lang="en-US" smtClean="0"/>
-              <a:t>5/6/22</a:t>
+              <a:t>5/11/22</a:t>
             </a:fld>
             <a:endParaRPr lang="en-US"/>
           </a:p>
@@ -10232,7 +10393,7 @@
           <p:cNvPr id="4" name="Title 1">
             <a:extLst>
               <a:ext uri="{FF2B5EF4-FFF2-40B4-BE49-F238E27FC236}">
-                <a16:creationId xmlns:a16="http://schemas.microsoft.com/office/drawing/2014/main" xmlns="" id="{275F301C-13E3-E2B0-491C-88A94868DF3B}"/>
+                <a16:creationId xmlns="" xmlns:a16="http://schemas.microsoft.com/office/drawing/2014/main" id="{275F301C-13E3-E2B0-491C-88A94868DF3B}"/>
               </a:ext>
             </a:extLst>
           </p:cNvPr>
@@ -10294,7 +10455,7 @@
           <p:cNvPr id="5" name="Picture 4" descr="A close up of a logo&#10;&#10;Description automatically generated">
             <a:extLst>
               <a:ext uri="{FF2B5EF4-FFF2-40B4-BE49-F238E27FC236}">
-                <a16:creationId xmlns:a16="http://schemas.microsoft.com/office/drawing/2014/main" xmlns="" id="{353FD212-E1C4-09CA-4FCA-79268C2FEE72}"/>
+                <a16:creationId xmlns="" xmlns:a16="http://schemas.microsoft.com/office/drawing/2014/main" id="{353FD212-E1C4-09CA-4FCA-79268C2FEE72}"/>
               </a:ext>
             </a:extLst>
           </p:cNvPr>
@@ -10324,7 +10485,7 @@
           <p:cNvPr id="6" name="TextBox 5">
             <a:extLst>
               <a:ext uri="{FF2B5EF4-FFF2-40B4-BE49-F238E27FC236}">
-                <a16:creationId xmlns:a16="http://schemas.microsoft.com/office/drawing/2014/main" xmlns="" id="{4B29BF0C-52AF-287D-B25F-0E8EB3935838}"/>
+                <a16:creationId xmlns="" xmlns:a16="http://schemas.microsoft.com/office/drawing/2014/main" id="{4B29BF0C-52AF-287D-B25F-0E8EB3935838}"/>
               </a:ext>
             </a:extLst>
           </p:cNvPr>
@@ -10400,7 +10561,7 @@
           <p:cNvPr id="5" name="Title 1">
             <a:extLst>
               <a:ext uri="{FF2B5EF4-FFF2-40B4-BE49-F238E27FC236}">
-                <a16:creationId xmlns:a16="http://schemas.microsoft.com/office/drawing/2014/main" xmlns="" id="{BCCDB550-8CD5-D5B9-7B45-C4AFCEE7A368}"/>
+                <a16:creationId xmlns="" xmlns:a16="http://schemas.microsoft.com/office/drawing/2014/main" id="{BCCDB550-8CD5-D5B9-7B45-C4AFCEE7A368}"/>
               </a:ext>
             </a:extLst>
           </p:cNvPr>
@@ -10459,7 +10620,7 @@
           <p:cNvPr id="6" name="Rectangle 5">
             <a:extLst>
               <a:ext uri="{FF2B5EF4-FFF2-40B4-BE49-F238E27FC236}">
-                <a16:creationId xmlns:a16="http://schemas.microsoft.com/office/drawing/2014/main" xmlns="" id="{DFDED218-0CEB-D90D-5B44-62D2F42AA924}"/>
+                <a16:creationId xmlns="" xmlns:a16="http://schemas.microsoft.com/office/drawing/2014/main" id="{DFDED218-0CEB-D90D-5B44-62D2F42AA924}"/>
               </a:ext>
             </a:extLst>
           </p:cNvPr>
@@ -10514,7 +10675,7 @@
           <p:cNvPr id="7" name="Content Placeholder 2">
             <a:extLst>
               <a:ext uri="{FF2B5EF4-FFF2-40B4-BE49-F238E27FC236}">
-                <a16:creationId xmlns:a16="http://schemas.microsoft.com/office/drawing/2014/main" xmlns="" id="{BEECE572-1612-EAE0-D87D-1CD2382E58A0}"/>
+                <a16:creationId xmlns="" xmlns:a16="http://schemas.microsoft.com/office/drawing/2014/main" id="{BEECE572-1612-EAE0-D87D-1CD2382E58A0}"/>
               </a:ext>
             </a:extLst>
           </p:cNvPr>
@@ -10727,7 +10888,7 @@
           <p:cNvPr id="8" name="Content Placeholder 2">
             <a:extLst>
               <a:ext uri="{FF2B5EF4-FFF2-40B4-BE49-F238E27FC236}">
-                <a16:creationId xmlns:a16="http://schemas.microsoft.com/office/drawing/2014/main" xmlns="" id="{570DA717-B3BE-3BEB-9855-75B7854F99A1}"/>
+                <a16:creationId xmlns="" xmlns:a16="http://schemas.microsoft.com/office/drawing/2014/main" id="{570DA717-B3BE-3BEB-9855-75B7854F99A1}"/>
               </a:ext>
             </a:extLst>
           </p:cNvPr>
@@ -10936,7 +11097,7 @@
           <p:cNvPr id="23" name="Content Placeholder 2">
             <a:extLst>
               <a:ext uri="{FF2B5EF4-FFF2-40B4-BE49-F238E27FC236}">
-                <a16:creationId xmlns:a16="http://schemas.microsoft.com/office/drawing/2014/main" xmlns="" id="{E1D54AC8-4AF7-0A00-2D7D-A84335042BD4}"/>
+                <a16:creationId xmlns="" xmlns:a16="http://schemas.microsoft.com/office/drawing/2014/main" id="{E1D54AC8-4AF7-0A00-2D7D-A84335042BD4}"/>
               </a:ext>
             </a:extLst>
           </p:cNvPr>
@@ -11220,7 +11381,7 @@
           <p:cNvPr id="2" name="Title 1">
             <a:extLst>
               <a:ext uri="{FF2B5EF4-FFF2-40B4-BE49-F238E27FC236}">
-                <a16:creationId xmlns:a16="http://schemas.microsoft.com/office/drawing/2014/main" xmlns="" id="{A366E7AE-2907-6A4C-B350-63622C840038}"/>
+                <a16:creationId xmlns="" xmlns:a16="http://schemas.microsoft.com/office/drawing/2014/main" id="{A366E7AE-2907-6A4C-B350-63622C840038}"/>
               </a:ext>
             </a:extLst>
           </p:cNvPr>
@@ -11259,7 +11420,7 @@
           <p:cNvPr id="4" name="Rectangle 3">
             <a:extLst>
               <a:ext uri="{FF2B5EF4-FFF2-40B4-BE49-F238E27FC236}">
-                <a16:creationId xmlns:a16="http://schemas.microsoft.com/office/drawing/2014/main" xmlns="" id="{9855AB97-CE12-8C6A-E32A-0980E93B3A40}"/>
+                <a16:creationId xmlns="" xmlns:a16="http://schemas.microsoft.com/office/drawing/2014/main" id="{9855AB97-CE12-8C6A-E32A-0980E93B3A40}"/>
               </a:ext>
             </a:extLst>
           </p:cNvPr>
@@ -11314,7 +11475,7 @@
           <p:cNvPr id="3" name="Content Placeholder 2">
             <a:extLst>
               <a:ext uri="{FF2B5EF4-FFF2-40B4-BE49-F238E27FC236}">
-                <a16:creationId xmlns:a16="http://schemas.microsoft.com/office/drawing/2014/main" xmlns="" id="{9678DAF0-EC40-E05F-BE2A-6BAA3BC34ABB}"/>
+                <a16:creationId xmlns="" xmlns:a16="http://schemas.microsoft.com/office/drawing/2014/main" id="{9678DAF0-EC40-E05F-BE2A-6BAA3BC34ABB}"/>
               </a:ext>
             </a:extLst>
           </p:cNvPr>
@@ -11414,7 +11575,7 @@
           <p:cNvPr id="2" name="Title 1">
             <a:extLst>
               <a:ext uri="{FF2B5EF4-FFF2-40B4-BE49-F238E27FC236}">
-                <a16:creationId xmlns:a16="http://schemas.microsoft.com/office/drawing/2014/main" xmlns="" id="{A366E7AE-2907-6A4C-B350-63622C840038}"/>
+                <a16:creationId xmlns="" xmlns:a16="http://schemas.microsoft.com/office/drawing/2014/main" id="{A366E7AE-2907-6A4C-B350-63622C840038}"/>
               </a:ext>
             </a:extLst>
           </p:cNvPr>
@@ -11452,7 +11613,7 @@
           <p:cNvPr id="4" name="Rectangle 3">
             <a:extLst>
               <a:ext uri="{FF2B5EF4-FFF2-40B4-BE49-F238E27FC236}">
-                <a16:creationId xmlns:a16="http://schemas.microsoft.com/office/drawing/2014/main" xmlns="" id="{9855AB97-CE12-8C6A-E32A-0980E93B3A40}"/>
+                <a16:creationId xmlns="" xmlns:a16="http://schemas.microsoft.com/office/drawing/2014/main" id="{9855AB97-CE12-8C6A-E32A-0980E93B3A40}"/>
               </a:ext>
             </a:extLst>
           </p:cNvPr>
@@ -11507,7 +11668,7 @@
           <p:cNvPr id="3" name="Content Placeholder 2">
             <a:extLst>
               <a:ext uri="{FF2B5EF4-FFF2-40B4-BE49-F238E27FC236}">
-                <a16:creationId xmlns:a16="http://schemas.microsoft.com/office/drawing/2014/main" xmlns="" id="{9678DAF0-EC40-E05F-BE2A-6BAA3BC34ABB}"/>
+                <a16:creationId xmlns="" xmlns:a16="http://schemas.microsoft.com/office/drawing/2014/main" id="{9678DAF0-EC40-E05F-BE2A-6BAA3BC34ABB}"/>
               </a:ext>
             </a:extLst>
           </p:cNvPr>
@@ -11551,7 +11712,7 @@
           <p:cNvPr id="10" name="TextBox 9">
             <a:extLst>
               <a:ext uri="{FF2B5EF4-FFF2-40B4-BE49-F238E27FC236}">
-                <a16:creationId xmlns:a16="http://schemas.microsoft.com/office/drawing/2014/main" xmlns="" id="{A0319DFB-F773-7122-A4DE-9C823B1A841B}"/>
+                <a16:creationId xmlns="" xmlns:a16="http://schemas.microsoft.com/office/drawing/2014/main" id="{A0319DFB-F773-7122-A4DE-9C823B1A841B}"/>
               </a:ext>
             </a:extLst>
           </p:cNvPr>
@@ -11589,7 +11750,7 @@
           <p:cNvPr id="25" name="Content Placeholder 2">
             <a:extLst>
               <a:ext uri="{FF2B5EF4-FFF2-40B4-BE49-F238E27FC236}">
-                <a16:creationId xmlns:a16="http://schemas.microsoft.com/office/drawing/2014/main" xmlns="" id="{A7A581C5-A211-B778-4BDB-55F20530B1C6}"/>
+                <a16:creationId xmlns="" xmlns:a16="http://schemas.microsoft.com/office/drawing/2014/main" id="{A7A581C5-A211-B778-4BDB-55F20530B1C6}"/>
               </a:ext>
             </a:extLst>
           </p:cNvPr>
@@ -11847,7 +12008,7 @@
           <p:cNvPr id="5" name="Title 1">
             <a:extLst>
               <a:ext uri="{FF2B5EF4-FFF2-40B4-BE49-F238E27FC236}">
-                <a16:creationId xmlns:a16="http://schemas.microsoft.com/office/drawing/2014/main" xmlns="" id="{BCCDB550-8CD5-D5B9-7B45-C4AFCEE7A368}"/>
+                <a16:creationId xmlns="" xmlns:a16="http://schemas.microsoft.com/office/drawing/2014/main" id="{BCCDB550-8CD5-D5B9-7B45-C4AFCEE7A368}"/>
               </a:ext>
             </a:extLst>
           </p:cNvPr>
@@ -11912,7 +12073,7 @@
           <p:cNvPr id="4" name="Content Placeholder 3">
             <a:extLst>
               <a:ext uri="{FF2B5EF4-FFF2-40B4-BE49-F238E27FC236}">
-                <a16:creationId xmlns:a16="http://schemas.microsoft.com/office/drawing/2014/main" xmlns="" id="{53C721EE-FC28-AB18-6FC8-2F3B0DA35A02}"/>
+                <a16:creationId xmlns="" xmlns:a16="http://schemas.microsoft.com/office/drawing/2014/main" id="{53C721EE-FC28-AB18-6FC8-2F3B0DA35A02}"/>
               </a:ext>
             </a:extLst>
           </p:cNvPr>
@@ -11981,7 +12142,7 @@
           <p:cNvPr id="2" name="Title 1">
             <a:extLst>
               <a:ext uri="{FF2B5EF4-FFF2-40B4-BE49-F238E27FC236}">
-                <a16:creationId xmlns:a16="http://schemas.microsoft.com/office/drawing/2014/main" xmlns="" id="{A366E7AE-2907-6A4C-B350-63622C840038}"/>
+                <a16:creationId xmlns="" xmlns:a16="http://schemas.microsoft.com/office/drawing/2014/main" id="{A366E7AE-2907-6A4C-B350-63622C840038}"/>
               </a:ext>
             </a:extLst>
           </p:cNvPr>
@@ -12020,7 +12181,7 @@
           <p:cNvPr id="3" name="Content Placeholder 2">
             <a:extLst>
               <a:ext uri="{FF2B5EF4-FFF2-40B4-BE49-F238E27FC236}">
-                <a16:creationId xmlns:a16="http://schemas.microsoft.com/office/drawing/2014/main" xmlns="" id="{9678DAF0-EC40-E05F-BE2A-6BAA3BC34ABB}"/>
+                <a16:creationId xmlns="" xmlns:a16="http://schemas.microsoft.com/office/drawing/2014/main" id="{9678DAF0-EC40-E05F-BE2A-6BAA3BC34ABB}"/>
               </a:ext>
             </a:extLst>
           </p:cNvPr>
@@ -12075,7 +12236,7 @@
           <p:cNvPr id="10" name="TextBox 9">
             <a:extLst>
               <a:ext uri="{FF2B5EF4-FFF2-40B4-BE49-F238E27FC236}">
-                <a16:creationId xmlns:a16="http://schemas.microsoft.com/office/drawing/2014/main" xmlns="" id="{A0319DFB-F773-7122-A4DE-9C823B1A841B}"/>
+                <a16:creationId xmlns="" xmlns:a16="http://schemas.microsoft.com/office/drawing/2014/main" id="{A0319DFB-F773-7122-A4DE-9C823B1A841B}"/>
               </a:ext>
             </a:extLst>
           </p:cNvPr>
@@ -12113,7 +12274,7 @@
           <p:cNvPr id="25" name="Content Placeholder 2">
             <a:extLst>
               <a:ext uri="{FF2B5EF4-FFF2-40B4-BE49-F238E27FC236}">
-                <a16:creationId xmlns:a16="http://schemas.microsoft.com/office/drawing/2014/main" xmlns="" id="{A7A581C5-A211-B778-4BDB-55F20530B1C6}"/>
+                <a16:creationId xmlns="" xmlns:a16="http://schemas.microsoft.com/office/drawing/2014/main" id="{A7A581C5-A211-B778-4BDB-55F20530B1C6}"/>
               </a:ext>
             </a:extLst>
           </p:cNvPr>
@@ -12124,8 +12285,8 @@
         </p:nvSpPr>
         <p:spPr>
           <a:xfrm>
-            <a:off x="4807514" y="5176951"/>
-            <a:ext cx="3451584" cy="956290"/>
+            <a:off x="4807514" y="5176950"/>
+            <a:ext cx="3451584" cy="1518817"/>
           </a:xfrm>
           <a:prstGeom prst="rect">
             <a:avLst/>
@@ -12314,10 +12475,10 @@
                 </a:solidFill>
                 <a:latin typeface="Hind Siliguri" panose="02000000000000000000" pitchFamily="2" charset="77"/>
                 <a:cs typeface="Hind Siliguri" panose="02000000000000000000" pitchFamily="2" charset="77"/>
-                <a:hlinkClick r:id="rId2">
+                <a:hlinkClick r:id="rId3">
                   <a:extLst>
                     <a:ext uri="{A12FA001-AC4F-418D-AE19-62706E023703}">
-                      <ahyp:hlinkClr xmlns:ahyp="http://schemas.microsoft.com/office/drawing/2018/hyperlinkcolor" xmlns="" val="tx"/>
+                      <ahyp:hlinkClr xmlns="" xmlns:ahyp="http://schemas.microsoft.com/office/drawing/2018/hyperlinkcolor" val="tx"/>
                     </a:ext>
                   </a:extLst>
                 </a:hlinkClick>
@@ -12331,10 +12492,10 @@
                 </a:solidFill>
                 <a:latin typeface="Hind Siliguri" panose="02000000000000000000" pitchFamily="2" charset="77"/>
                 <a:cs typeface="Hind Siliguri" panose="02000000000000000000" pitchFamily="2" charset="77"/>
-                <a:hlinkClick r:id="rId2">
+                <a:hlinkClick r:id="rId3">
                   <a:extLst>
                     <a:ext uri="{A12FA001-AC4F-418D-AE19-62706E023703}">
-                      <ahyp:hlinkClr xmlns:ahyp="http://schemas.microsoft.com/office/drawing/2018/hyperlinkcolor" xmlns="" val="tx"/>
+                      <ahyp:hlinkClr xmlns="" xmlns:ahyp="http://schemas.microsoft.com/office/drawing/2018/hyperlinkcolor" val="tx"/>
                     </a:ext>
                   </a:extLst>
                 </a:hlinkClick>
@@ -12363,39 +12524,66 @@
                 </a:solidFill>
                 <a:latin typeface="Hind Siliguri" panose="02000000000000000000" pitchFamily="2" charset="77"/>
                 <a:cs typeface="Hind Siliguri" panose="02000000000000000000" pitchFamily="2" charset="77"/>
+                <a:hlinkClick r:id="rId4"/>
               </a:rPr>
               <a:t>https://</a:t>
             </a:r>
             <a:r>
-              <a:rPr lang="en-US" sz="2000" dirty="0" err="1">
+              <a:rPr lang="en-US" sz="2000" dirty="0" smtClean="0">
                 <a:solidFill>
                   <a:schemeClr val="accent5"/>
                 </a:solidFill>
                 <a:latin typeface="Hind Siliguri" panose="02000000000000000000" pitchFamily="2" charset="77"/>
                 <a:cs typeface="Hind Siliguri" panose="02000000000000000000" pitchFamily="2" charset="77"/>
+                <a:hlinkClick r:id="rId4"/>
               </a:rPr>
-              <a:t>github.com</a:t>
+              <a:t>github.com/MHolthouser1024/Microsoft-Movie-Analysis.git</a:t>
             </a:r>
+            <a:endParaRPr lang="en-US" sz="2000" dirty="0" smtClean="0">
+              <a:solidFill>
+                <a:schemeClr val="accent5"/>
+              </a:solidFill>
+              <a:latin typeface="Hind Siliguri" panose="02000000000000000000" pitchFamily="2" charset="77"/>
+              <a:cs typeface="Hind Siliguri" panose="02000000000000000000" pitchFamily="2" charset="77"/>
+            </a:endParaRPr>
+          </a:p>
+          <a:p>
+            <a:pPr marL="0" indent="0">
+              <a:lnSpc>
+                <a:spcPct val="100000"/>
+              </a:lnSpc>
+              <a:buNone/>
+            </a:pPr>
             <a:r>
-              <a:rPr lang="en-US" sz="2000" dirty="0">
-                <a:solidFill>
-                  <a:schemeClr val="accent5"/>
-                </a:solidFill>
-                <a:latin typeface="Hind Siliguri" panose="02000000000000000000" pitchFamily="2" charset="77"/>
-                <a:cs typeface="Hind Siliguri" panose="02000000000000000000" pitchFamily="2" charset="77"/>
+              <a:rPr lang="en-US" sz="2000" dirty="0" smtClean="0">
+                <a:hlinkClick r:id="rId5"/>
               </a:rPr>
-              <a:t>/MHolthouser1024/Microsoft-Movie-</a:t>
+              <a:t>linkedin.com/in/michael-holthouser-9aa54195</a:t>
             </a:r>
-            <a:r>
-              <a:rPr lang="en-US" sz="2000" dirty="0" err="1">
-                <a:solidFill>
-                  <a:schemeClr val="accent5"/>
-                </a:solidFill>
-                <a:latin typeface="Hind Siliguri" panose="02000000000000000000" pitchFamily="2" charset="77"/>
-                <a:cs typeface="Hind Siliguri" panose="02000000000000000000" pitchFamily="2" charset="77"/>
-              </a:rPr>
-              <a:t>Analysis.git</a:t>
-            </a:r>
+            <a:endParaRPr lang="en-US" sz="2000" dirty="0" smtClean="0"/>
+          </a:p>
+          <a:p>
+            <a:pPr marL="0" indent="0">
+              <a:lnSpc>
+                <a:spcPct val="100000"/>
+              </a:lnSpc>
+              <a:buNone/>
+            </a:pPr>
+            <a:endParaRPr lang="en-US" sz="2000" dirty="0" smtClean="0">
+              <a:solidFill>
+                <a:schemeClr val="accent5"/>
+              </a:solidFill>
+              <a:latin typeface="Hind Siliguri" panose="02000000000000000000" pitchFamily="2" charset="77"/>
+              <a:cs typeface="Hind Siliguri" panose="02000000000000000000" pitchFamily="2" charset="77"/>
+            </a:endParaRPr>
+          </a:p>
+          <a:p>
+            <a:pPr marL="0" indent="0">
+              <a:lnSpc>
+                <a:spcPct val="100000"/>
+              </a:lnSpc>
+              <a:buNone/>
+            </a:pPr>
             <a:endParaRPr lang="en-US" sz="2000" dirty="0">
               <a:solidFill>
                 <a:schemeClr val="accent5"/>
@@ -12411,7 +12599,7 @@
           <p:cNvPr id="6" name="Graphic 5" descr="Link with solid fill">
             <a:extLst>
               <a:ext uri="{FF2B5EF4-FFF2-40B4-BE49-F238E27FC236}">
-                <a16:creationId xmlns:a16="http://schemas.microsoft.com/office/drawing/2014/main" xmlns="" id="{63B4DE5F-0546-2C67-64DA-5329F7903263}"/>
+                <a16:creationId xmlns="" xmlns:a16="http://schemas.microsoft.com/office/drawing/2014/main" id="{63B4DE5F-0546-2C67-64DA-5329F7903263}"/>
               </a:ext>
             </a:extLst>
           </p:cNvPr>
@@ -12421,10 +12609,10 @@
           <p:nvPr/>
         </p:nvPicPr>
         <p:blipFill>
-          <a:blip r:embed="rId3">
+          <a:blip r:embed="rId6">
             <a:extLst>
               <a:ext uri="{96DAC541-7B7A-43D3-8B79-37D633B846F1}">
-                <asvg:svgBlip xmlns:asvg="http://schemas.microsoft.com/office/drawing/2016/SVG/main" xmlns="" r:embed="rId5"/>
+                <asvg:svgBlip xmlns="" xmlns:asvg="http://schemas.microsoft.com/office/drawing/2016/SVG/main" r:embed="rId7"/>
               </a:ext>
             </a:extLst>
           </a:blip>
@@ -12447,7 +12635,7 @@
           <p:cNvPr id="8" name="Graphic 7" descr="Envelope with solid fill">
             <a:extLst>
               <a:ext uri="{FF2B5EF4-FFF2-40B4-BE49-F238E27FC236}">
-                <a16:creationId xmlns:a16="http://schemas.microsoft.com/office/drawing/2014/main" xmlns="" id="{676F87C9-EED9-DE21-9549-1B77624C8602}"/>
+                <a16:creationId xmlns="" xmlns:a16="http://schemas.microsoft.com/office/drawing/2014/main" id="{676F87C9-EED9-DE21-9549-1B77624C8602}"/>
               </a:ext>
             </a:extLst>
           </p:cNvPr>
@@ -12457,10 +12645,10 @@
           <p:nvPr/>
         </p:nvPicPr>
         <p:blipFill>
-          <a:blip r:embed="rId6">
+          <a:blip r:embed="rId8">
             <a:extLst>
               <a:ext uri="{96DAC541-7B7A-43D3-8B79-37D633B846F1}">
-                <asvg:svgBlip xmlns:asvg="http://schemas.microsoft.com/office/drawing/2016/SVG/main" xmlns="" r:embed="rId7"/>
+                <asvg:svgBlip xmlns="" xmlns:asvg="http://schemas.microsoft.com/office/drawing/2016/SVG/main" r:embed="rId9"/>
               </a:ext>
             </a:extLst>
           </a:blip>
@@ -12521,7 +12709,7 @@
           <p:cNvPr id="2" name="Title 1">
             <a:extLst>
               <a:ext uri="{FF2B5EF4-FFF2-40B4-BE49-F238E27FC236}">
-                <a16:creationId xmlns:a16="http://schemas.microsoft.com/office/drawing/2014/main" xmlns="" id="{A366E7AE-2907-6A4C-B350-63622C840038}"/>
+                <a16:creationId xmlns="" xmlns:a16="http://schemas.microsoft.com/office/drawing/2014/main" id="{A366E7AE-2907-6A4C-B350-63622C840038}"/>
               </a:ext>
             </a:extLst>
           </p:cNvPr>
@@ -12559,7 +12747,7 @@
           <p:cNvPr id="4" name="Rectangle 3">
             <a:extLst>
               <a:ext uri="{FF2B5EF4-FFF2-40B4-BE49-F238E27FC236}">
-                <a16:creationId xmlns:a16="http://schemas.microsoft.com/office/drawing/2014/main" xmlns="" id="{9855AB97-CE12-8C6A-E32A-0980E93B3A40}"/>
+                <a16:creationId xmlns="" xmlns:a16="http://schemas.microsoft.com/office/drawing/2014/main" id="{9855AB97-CE12-8C6A-E32A-0980E93B3A40}"/>
               </a:ext>
             </a:extLst>
           </p:cNvPr>
@@ -12614,7 +12802,7 @@
           <p:cNvPr id="3" name="Content Placeholder 2">
             <a:extLst>
               <a:ext uri="{FF2B5EF4-FFF2-40B4-BE49-F238E27FC236}">
-                <a16:creationId xmlns:a16="http://schemas.microsoft.com/office/drawing/2014/main" xmlns="" id="{9678DAF0-EC40-E05F-BE2A-6BAA3BC34ABB}"/>
+                <a16:creationId xmlns="" xmlns:a16="http://schemas.microsoft.com/office/drawing/2014/main" id="{9678DAF0-EC40-E05F-BE2A-6BAA3BC34ABB}"/>
               </a:ext>
             </a:extLst>
           </p:cNvPr>
@@ -12776,7 +12964,7 @@
           <p:cNvPr id="7" name="Group 6">
             <a:extLst>
               <a:ext uri="{FF2B5EF4-FFF2-40B4-BE49-F238E27FC236}">
-                <a16:creationId xmlns:a16="http://schemas.microsoft.com/office/drawing/2014/main" xmlns="" id="{D8AEF3AE-39A3-C85A-FC27-30761203C34C}"/>
+                <a16:creationId xmlns="" xmlns:a16="http://schemas.microsoft.com/office/drawing/2014/main" id="{D8AEF3AE-39A3-C85A-FC27-30761203C34C}"/>
               </a:ext>
             </a:extLst>
           </p:cNvPr>
@@ -12796,7 +12984,7 @@
             <p:cNvPr id="5" name="Oval 4">
               <a:extLst>
                 <a:ext uri="{FF2B5EF4-FFF2-40B4-BE49-F238E27FC236}">
-                  <a16:creationId xmlns:a16="http://schemas.microsoft.com/office/drawing/2014/main" xmlns="" id="{0DD0759A-14D5-0655-7A55-0D299644E8D3}"/>
+                  <a16:creationId xmlns="" xmlns:a16="http://schemas.microsoft.com/office/drawing/2014/main" id="{0DD0759A-14D5-0655-7A55-0D299644E8D3}"/>
                 </a:ext>
               </a:extLst>
             </p:cNvPr>
@@ -12852,7 +13040,7 @@
             <p:cNvPr id="6" name="TextBox 5">
               <a:extLst>
                 <a:ext uri="{FF2B5EF4-FFF2-40B4-BE49-F238E27FC236}">
-                  <a16:creationId xmlns:a16="http://schemas.microsoft.com/office/drawing/2014/main" xmlns="" id="{5770CC35-4965-6D4D-EA9F-FFE646822EFA}"/>
+                  <a16:creationId xmlns="" xmlns:a16="http://schemas.microsoft.com/office/drawing/2014/main" id="{5770CC35-4965-6D4D-EA9F-FFE646822EFA}"/>
                 </a:ext>
               </a:extLst>
             </p:cNvPr>
@@ -12894,7 +13082,7 @@
           <p:cNvPr id="8" name="Group 7">
             <a:extLst>
               <a:ext uri="{FF2B5EF4-FFF2-40B4-BE49-F238E27FC236}">
-                <a16:creationId xmlns:a16="http://schemas.microsoft.com/office/drawing/2014/main" xmlns="" id="{291A76D4-3F35-C73B-D27A-193E3E844B60}"/>
+                <a16:creationId xmlns="" xmlns:a16="http://schemas.microsoft.com/office/drawing/2014/main" id="{291A76D4-3F35-C73B-D27A-193E3E844B60}"/>
               </a:ext>
             </a:extLst>
           </p:cNvPr>
@@ -12914,7 +13102,7 @@
             <p:cNvPr id="9" name="Oval 8">
               <a:extLst>
                 <a:ext uri="{FF2B5EF4-FFF2-40B4-BE49-F238E27FC236}">
-                  <a16:creationId xmlns:a16="http://schemas.microsoft.com/office/drawing/2014/main" xmlns="" id="{31E7A67B-0D4A-CB08-E274-F70DEACD122C}"/>
+                  <a16:creationId xmlns="" xmlns:a16="http://schemas.microsoft.com/office/drawing/2014/main" id="{31E7A67B-0D4A-CB08-E274-F70DEACD122C}"/>
                 </a:ext>
               </a:extLst>
             </p:cNvPr>
@@ -12970,7 +13158,7 @@
             <p:cNvPr id="10" name="TextBox 9">
               <a:extLst>
                 <a:ext uri="{FF2B5EF4-FFF2-40B4-BE49-F238E27FC236}">
-                  <a16:creationId xmlns:a16="http://schemas.microsoft.com/office/drawing/2014/main" xmlns="" id="{A0319DFB-F773-7122-A4DE-9C823B1A841B}"/>
+                  <a16:creationId xmlns="" xmlns:a16="http://schemas.microsoft.com/office/drawing/2014/main" id="{A0319DFB-F773-7122-A4DE-9C823B1A841B}"/>
                 </a:ext>
               </a:extLst>
             </p:cNvPr>
@@ -13012,7 +13200,7 @@
           <p:cNvPr id="11" name="Group 10">
             <a:extLst>
               <a:ext uri="{FF2B5EF4-FFF2-40B4-BE49-F238E27FC236}">
-                <a16:creationId xmlns:a16="http://schemas.microsoft.com/office/drawing/2014/main" xmlns="" id="{09D336AB-10F9-E388-33C1-C9804B2A8FC7}"/>
+                <a16:creationId xmlns="" xmlns:a16="http://schemas.microsoft.com/office/drawing/2014/main" id="{09D336AB-10F9-E388-33C1-C9804B2A8FC7}"/>
               </a:ext>
             </a:extLst>
           </p:cNvPr>
@@ -13032,7 +13220,7 @@
             <p:cNvPr id="12" name="Oval 11">
               <a:extLst>
                 <a:ext uri="{FF2B5EF4-FFF2-40B4-BE49-F238E27FC236}">
-                  <a16:creationId xmlns:a16="http://schemas.microsoft.com/office/drawing/2014/main" xmlns="" id="{41FC97F8-A1F0-378D-AA1C-151557EA26B3}"/>
+                  <a16:creationId xmlns="" xmlns:a16="http://schemas.microsoft.com/office/drawing/2014/main" id="{41FC97F8-A1F0-378D-AA1C-151557EA26B3}"/>
                 </a:ext>
               </a:extLst>
             </p:cNvPr>
@@ -13088,7 +13276,7 @@
             <p:cNvPr id="13" name="TextBox 12">
               <a:extLst>
                 <a:ext uri="{FF2B5EF4-FFF2-40B4-BE49-F238E27FC236}">
-                  <a16:creationId xmlns:a16="http://schemas.microsoft.com/office/drawing/2014/main" xmlns="" id="{5AE0CE05-CF04-4B7B-DBA6-53E572D0D893}"/>
+                  <a16:creationId xmlns="" xmlns:a16="http://schemas.microsoft.com/office/drawing/2014/main" id="{5AE0CE05-CF04-4B7B-DBA6-53E572D0D893}"/>
                 </a:ext>
               </a:extLst>
             </p:cNvPr>
@@ -13130,7 +13318,7 @@
           <p:cNvPr id="14" name="Group 13">
             <a:extLst>
               <a:ext uri="{FF2B5EF4-FFF2-40B4-BE49-F238E27FC236}">
-                <a16:creationId xmlns:a16="http://schemas.microsoft.com/office/drawing/2014/main" xmlns="" id="{7C434A68-C6C6-A737-92A6-BBCE2DBCEB27}"/>
+                <a16:creationId xmlns="" xmlns:a16="http://schemas.microsoft.com/office/drawing/2014/main" id="{7C434A68-C6C6-A737-92A6-BBCE2DBCEB27}"/>
               </a:ext>
             </a:extLst>
           </p:cNvPr>
@@ -13150,7 +13338,7 @@
             <p:cNvPr id="15" name="Oval 14">
               <a:extLst>
                 <a:ext uri="{FF2B5EF4-FFF2-40B4-BE49-F238E27FC236}">
-                  <a16:creationId xmlns:a16="http://schemas.microsoft.com/office/drawing/2014/main" xmlns="" id="{4825AA79-3A5C-81DA-EF7B-31EBEE355DC2}"/>
+                  <a16:creationId xmlns="" xmlns:a16="http://schemas.microsoft.com/office/drawing/2014/main" id="{4825AA79-3A5C-81DA-EF7B-31EBEE355DC2}"/>
                 </a:ext>
               </a:extLst>
             </p:cNvPr>
@@ -13206,7 +13394,7 @@
             <p:cNvPr id="16" name="TextBox 15">
               <a:extLst>
                 <a:ext uri="{FF2B5EF4-FFF2-40B4-BE49-F238E27FC236}">
-                  <a16:creationId xmlns:a16="http://schemas.microsoft.com/office/drawing/2014/main" xmlns="" id="{EACC0321-CE08-0259-EA0F-C96CF7FCAFB9}"/>
+                  <a16:creationId xmlns="" xmlns:a16="http://schemas.microsoft.com/office/drawing/2014/main" id="{EACC0321-CE08-0259-EA0F-C96CF7FCAFB9}"/>
                 </a:ext>
               </a:extLst>
             </p:cNvPr>
@@ -13248,7 +13436,7 @@
           <p:cNvPr id="17" name="Group 16">
             <a:extLst>
               <a:ext uri="{FF2B5EF4-FFF2-40B4-BE49-F238E27FC236}">
-                <a16:creationId xmlns:a16="http://schemas.microsoft.com/office/drawing/2014/main" xmlns="" id="{EAE1D400-02BF-92FC-148F-D6C2AA989C96}"/>
+                <a16:creationId xmlns="" xmlns:a16="http://schemas.microsoft.com/office/drawing/2014/main" id="{EAE1D400-02BF-92FC-148F-D6C2AA989C96}"/>
               </a:ext>
             </a:extLst>
           </p:cNvPr>
@@ -13268,7 +13456,7 @@
             <p:cNvPr id="18" name="Oval 17">
               <a:extLst>
                 <a:ext uri="{FF2B5EF4-FFF2-40B4-BE49-F238E27FC236}">
-                  <a16:creationId xmlns:a16="http://schemas.microsoft.com/office/drawing/2014/main" xmlns="" id="{7EDF0CC6-8995-33DD-A11D-7987E9F1DD13}"/>
+                  <a16:creationId xmlns="" xmlns:a16="http://schemas.microsoft.com/office/drawing/2014/main" id="{7EDF0CC6-8995-33DD-A11D-7987E9F1DD13}"/>
                 </a:ext>
               </a:extLst>
             </p:cNvPr>
@@ -13324,7 +13512,7 @@
             <p:cNvPr id="19" name="TextBox 18">
               <a:extLst>
                 <a:ext uri="{FF2B5EF4-FFF2-40B4-BE49-F238E27FC236}">
-                  <a16:creationId xmlns:a16="http://schemas.microsoft.com/office/drawing/2014/main" xmlns="" id="{49A8D28C-8043-DF3B-2D61-AE5B95783978}"/>
+                  <a16:creationId xmlns="" xmlns:a16="http://schemas.microsoft.com/office/drawing/2014/main" id="{49A8D28C-8043-DF3B-2D61-AE5B95783978}"/>
                 </a:ext>
               </a:extLst>
             </p:cNvPr>
@@ -13366,7 +13554,7 @@
           <p:cNvPr id="20" name="Group 19">
             <a:extLst>
               <a:ext uri="{FF2B5EF4-FFF2-40B4-BE49-F238E27FC236}">
-                <a16:creationId xmlns:a16="http://schemas.microsoft.com/office/drawing/2014/main" xmlns="" id="{8163BFCE-C6FE-8567-E977-7B021F604780}"/>
+                <a16:creationId xmlns="" xmlns:a16="http://schemas.microsoft.com/office/drawing/2014/main" id="{8163BFCE-C6FE-8567-E977-7B021F604780}"/>
               </a:ext>
             </a:extLst>
           </p:cNvPr>
@@ -13386,7 +13574,7 @@
             <p:cNvPr id="21" name="Oval 20">
               <a:extLst>
                 <a:ext uri="{FF2B5EF4-FFF2-40B4-BE49-F238E27FC236}">
-                  <a16:creationId xmlns:a16="http://schemas.microsoft.com/office/drawing/2014/main" xmlns="" id="{6539936D-30D0-472B-6467-9D7B6A5DA43B}"/>
+                  <a16:creationId xmlns="" xmlns:a16="http://schemas.microsoft.com/office/drawing/2014/main" id="{6539936D-30D0-472B-6467-9D7B6A5DA43B}"/>
                 </a:ext>
               </a:extLst>
             </p:cNvPr>
@@ -13442,7 +13630,7 @@
             <p:cNvPr id="22" name="TextBox 21">
               <a:extLst>
                 <a:ext uri="{FF2B5EF4-FFF2-40B4-BE49-F238E27FC236}">
-                  <a16:creationId xmlns:a16="http://schemas.microsoft.com/office/drawing/2014/main" xmlns="" id="{DF3CD8DB-E259-5291-1B58-91716638EF36}"/>
+                  <a16:creationId xmlns="" xmlns:a16="http://schemas.microsoft.com/office/drawing/2014/main" id="{DF3CD8DB-E259-5291-1B58-91716638EF36}"/>
                 </a:ext>
               </a:extLst>
             </p:cNvPr>
@@ -13484,7 +13672,7 @@
           <p:cNvPr id="29" name="Group 28">
             <a:extLst>
               <a:ext uri="{FF2B5EF4-FFF2-40B4-BE49-F238E27FC236}">
-                <a16:creationId xmlns:a16="http://schemas.microsoft.com/office/drawing/2014/main" xmlns="" id="{EAE1D400-02BF-92FC-148F-D6C2AA989C96}"/>
+                <a16:creationId xmlns="" xmlns:a16="http://schemas.microsoft.com/office/drawing/2014/main" id="{EAE1D400-02BF-92FC-148F-D6C2AA989C96}"/>
               </a:ext>
             </a:extLst>
           </p:cNvPr>
@@ -13504,7 +13692,7 @@
             <p:cNvPr id="30" name="Oval 29">
               <a:extLst>
                 <a:ext uri="{FF2B5EF4-FFF2-40B4-BE49-F238E27FC236}">
-                  <a16:creationId xmlns:a16="http://schemas.microsoft.com/office/drawing/2014/main" xmlns="" id="{7EDF0CC6-8995-33DD-A11D-7987E9F1DD13}"/>
+                  <a16:creationId xmlns="" xmlns:a16="http://schemas.microsoft.com/office/drawing/2014/main" id="{7EDF0CC6-8995-33DD-A11D-7987E9F1DD13}"/>
                 </a:ext>
               </a:extLst>
             </p:cNvPr>
@@ -13560,7 +13748,7 @@
             <p:cNvPr id="31" name="TextBox 30">
               <a:extLst>
                 <a:ext uri="{FF2B5EF4-FFF2-40B4-BE49-F238E27FC236}">
-                  <a16:creationId xmlns:a16="http://schemas.microsoft.com/office/drawing/2014/main" xmlns="" id="{49A8D28C-8043-DF3B-2D61-AE5B95783978}"/>
+                  <a16:creationId xmlns="" xmlns:a16="http://schemas.microsoft.com/office/drawing/2014/main" id="{49A8D28C-8043-DF3B-2D61-AE5B95783978}"/>
                 </a:ext>
               </a:extLst>
             </p:cNvPr>
@@ -13646,7 +13834,7 @@
           <p:cNvPr id="2" name="Title 1">
             <a:extLst>
               <a:ext uri="{FF2B5EF4-FFF2-40B4-BE49-F238E27FC236}">
-                <a16:creationId xmlns:a16="http://schemas.microsoft.com/office/drawing/2014/main" xmlns="" id="{A366E7AE-2907-6A4C-B350-63622C840038}"/>
+                <a16:creationId xmlns="" xmlns:a16="http://schemas.microsoft.com/office/drawing/2014/main" id="{A366E7AE-2907-6A4C-B350-63622C840038}"/>
               </a:ext>
             </a:extLst>
           </p:cNvPr>
@@ -13691,7 +13879,7 @@
           <p:cNvPr id="4" name="Rectangle 3">
             <a:extLst>
               <a:ext uri="{FF2B5EF4-FFF2-40B4-BE49-F238E27FC236}">
-                <a16:creationId xmlns:a16="http://schemas.microsoft.com/office/drawing/2014/main" xmlns="" id="{9855AB97-CE12-8C6A-E32A-0980E93B3A40}"/>
+                <a16:creationId xmlns="" xmlns:a16="http://schemas.microsoft.com/office/drawing/2014/main" id="{9855AB97-CE12-8C6A-E32A-0980E93B3A40}"/>
               </a:ext>
             </a:extLst>
           </p:cNvPr>
@@ -13746,7 +13934,7 @@
           <p:cNvPr id="3" name="Content Placeholder 2">
             <a:extLst>
               <a:ext uri="{FF2B5EF4-FFF2-40B4-BE49-F238E27FC236}">
-                <a16:creationId xmlns:a16="http://schemas.microsoft.com/office/drawing/2014/main" xmlns="" id="{9678DAF0-EC40-E05F-BE2A-6BAA3BC34ABB}"/>
+                <a16:creationId xmlns="" xmlns:a16="http://schemas.microsoft.com/office/drawing/2014/main" id="{9678DAF0-EC40-E05F-BE2A-6BAA3BC34ABB}"/>
               </a:ext>
             </a:extLst>
           </p:cNvPr>
@@ -13765,7 +13953,7 @@
         </p:spPr>
         <p:txBody>
           <a:bodyPr>
-            <a:normAutofit/>
+            <a:normAutofit lnSpcReduction="10000"/>
           </a:bodyPr>
           <a:lstStyle/>
           <a:p>
@@ -13853,7 +14041,7 @@
           <p:cNvPr id="2" name="Title 1">
             <a:extLst>
               <a:ext uri="{FF2B5EF4-FFF2-40B4-BE49-F238E27FC236}">
-                <a16:creationId xmlns:a16="http://schemas.microsoft.com/office/drawing/2014/main" xmlns="" id="{A366E7AE-2907-6A4C-B350-63622C840038}"/>
+                <a16:creationId xmlns="" xmlns:a16="http://schemas.microsoft.com/office/drawing/2014/main" id="{A366E7AE-2907-6A4C-B350-63622C840038}"/>
               </a:ext>
             </a:extLst>
           </p:cNvPr>
@@ -13897,7 +14085,7 @@
           <p:cNvPr id="3" name="Content Placeholder 2">
             <a:extLst>
               <a:ext uri="{FF2B5EF4-FFF2-40B4-BE49-F238E27FC236}">
-                <a16:creationId xmlns:a16="http://schemas.microsoft.com/office/drawing/2014/main" xmlns="" id="{9678DAF0-EC40-E05F-BE2A-6BAA3BC34ABB}"/>
+                <a16:creationId xmlns="" xmlns:a16="http://schemas.microsoft.com/office/drawing/2014/main" id="{9678DAF0-EC40-E05F-BE2A-6BAA3BC34ABB}"/>
               </a:ext>
             </a:extLst>
           </p:cNvPr>
@@ -14034,7 +14222,7 @@
           <p:cNvPr id="10" name="TextBox 9">
             <a:extLst>
               <a:ext uri="{FF2B5EF4-FFF2-40B4-BE49-F238E27FC236}">
-                <a16:creationId xmlns:a16="http://schemas.microsoft.com/office/drawing/2014/main" xmlns="" id="{A0319DFB-F773-7122-A4DE-9C823B1A841B}"/>
+                <a16:creationId xmlns="" xmlns:a16="http://schemas.microsoft.com/office/drawing/2014/main" id="{A0319DFB-F773-7122-A4DE-9C823B1A841B}"/>
               </a:ext>
             </a:extLst>
           </p:cNvPr>
@@ -14117,7 +14305,7 @@
           <p:cNvPr id="5" name="Title 1">
             <a:extLst>
               <a:ext uri="{FF2B5EF4-FFF2-40B4-BE49-F238E27FC236}">
-                <a16:creationId xmlns:a16="http://schemas.microsoft.com/office/drawing/2014/main" xmlns="" id="{BCCDB550-8CD5-D5B9-7B45-C4AFCEE7A368}"/>
+                <a16:creationId xmlns="" xmlns:a16="http://schemas.microsoft.com/office/drawing/2014/main" id="{BCCDB550-8CD5-D5B9-7B45-C4AFCEE7A368}"/>
               </a:ext>
             </a:extLst>
           </p:cNvPr>
@@ -14246,7 +14434,7 @@
           <p:cNvPr id="2" name="Title 1">
             <a:extLst>
               <a:ext uri="{FF2B5EF4-FFF2-40B4-BE49-F238E27FC236}">
-                <a16:creationId xmlns:a16="http://schemas.microsoft.com/office/drawing/2014/main" xmlns="" id="{A366E7AE-2907-6A4C-B350-63622C840038}"/>
+                <a16:creationId xmlns="" xmlns:a16="http://schemas.microsoft.com/office/drawing/2014/main" id="{A366E7AE-2907-6A4C-B350-63622C840038}"/>
               </a:ext>
             </a:extLst>
           </p:cNvPr>
@@ -14284,7 +14472,7 @@
           <p:cNvPr id="4" name="Rectangle 3">
             <a:extLst>
               <a:ext uri="{FF2B5EF4-FFF2-40B4-BE49-F238E27FC236}">
-                <a16:creationId xmlns:a16="http://schemas.microsoft.com/office/drawing/2014/main" xmlns="" id="{9855AB97-CE12-8C6A-E32A-0980E93B3A40}"/>
+                <a16:creationId xmlns="" xmlns:a16="http://schemas.microsoft.com/office/drawing/2014/main" id="{9855AB97-CE12-8C6A-E32A-0980E93B3A40}"/>
               </a:ext>
             </a:extLst>
           </p:cNvPr>
@@ -14339,7 +14527,7 @@
           <p:cNvPr id="3" name="Content Placeholder 2">
             <a:extLst>
               <a:ext uri="{FF2B5EF4-FFF2-40B4-BE49-F238E27FC236}">
-                <a16:creationId xmlns:a16="http://schemas.microsoft.com/office/drawing/2014/main" xmlns="" id="{9678DAF0-EC40-E05F-BE2A-6BAA3BC34ABB}"/>
+                <a16:creationId xmlns="" xmlns:a16="http://schemas.microsoft.com/office/drawing/2014/main" id="{9678DAF0-EC40-E05F-BE2A-6BAA3BC34ABB}"/>
               </a:ext>
             </a:extLst>
           </p:cNvPr>
@@ -14387,7 +14575,7 @@
           <p:cNvPr id="10" name="TextBox 9">
             <a:extLst>
               <a:ext uri="{FF2B5EF4-FFF2-40B4-BE49-F238E27FC236}">
-                <a16:creationId xmlns:a16="http://schemas.microsoft.com/office/drawing/2014/main" xmlns="" id="{A0319DFB-F773-7122-A4DE-9C823B1A841B}"/>
+                <a16:creationId xmlns="" xmlns:a16="http://schemas.microsoft.com/office/drawing/2014/main" id="{A0319DFB-F773-7122-A4DE-9C823B1A841B}"/>
               </a:ext>
             </a:extLst>
           </p:cNvPr>
@@ -14425,7 +14613,7 @@
           <p:cNvPr id="23" name="Content Placeholder 2">
             <a:extLst>
               <a:ext uri="{FF2B5EF4-FFF2-40B4-BE49-F238E27FC236}">
-                <a16:creationId xmlns:a16="http://schemas.microsoft.com/office/drawing/2014/main" xmlns="" id="{996642FC-2683-355E-51D5-2FDD97E73C63}"/>
+                <a16:creationId xmlns="" xmlns:a16="http://schemas.microsoft.com/office/drawing/2014/main" id="{996642FC-2683-355E-51D5-2FDD97E73C63}"/>
               </a:ext>
             </a:extLst>
           </p:cNvPr>
@@ -14638,7 +14826,7 @@
           <p:cNvPr id="24" name="Content Placeholder 2">
             <a:extLst>
               <a:ext uri="{FF2B5EF4-FFF2-40B4-BE49-F238E27FC236}">
-                <a16:creationId xmlns:a16="http://schemas.microsoft.com/office/drawing/2014/main" xmlns="" id="{45BC6670-D62D-9A66-60A0-634295D0EDF0}"/>
+                <a16:creationId xmlns="" xmlns:a16="http://schemas.microsoft.com/office/drawing/2014/main" id="{45BC6670-D62D-9A66-60A0-634295D0EDF0}"/>
               </a:ext>
             </a:extLst>
           </p:cNvPr>
@@ -14851,7 +15039,7 @@
           <p:cNvPr id="25" name="Content Placeholder 2">
             <a:extLst>
               <a:ext uri="{FF2B5EF4-FFF2-40B4-BE49-F238E27FC236}">
-                <a16:creationId xmlns:a16="http://schemas.microsoft.com/office/drawing/2014/main" xmlns="" id="{A7A581C5-A211-B778-4BDB-55F20530B1C6}"/>
+                <a16:creationId xmlns="" xmlns:a16="http://schemas.microsoft.com/office/drawing/2014/main" id="{A7A581C5-A211-B778-4BDB-55F20530B1C6}"/>
               </a:ext>
             </a:extLst>
           </p:cNvPr>
@@ -14871,7 +15059,7 @@
         </p:spPr>
         <p:txBody>
           <a:bodyPr vert="horz" lIns="91440" tIns="45720" rIns="91440" bIns="45720" rtlCol="0" anchor="ctr">
-            <a:normAutofit fontScale="92500"/>
+            <a:normAutofit fontScale="85000" lnSpcReduction="10000"/>
           </a:bodyPr>
           <a:lstStyle>
             <a:lvl1pPr marL="228600" indent="-228600" algn="l" defTabSz="914400" rtl="0" eaLnBrk="1" latinLnBrk="0" hangingPunct="1">
@@ -15071,7 +15259,7 @@
           <p:cNvPr id="9" name="Content Placeholder 2">
             <a:extLst>
               <a:ext uri="{FF2B5EF4-FFF2-40B4-BE49-F238E27FC236}">
-                <a16:creationId xmlns:a16="http://schemas.microsoft.com/office/drawing/2014/main" xmlns="" id="{996642FC-2683-355E-51D5-2FDD97E73C63}"/>
+                <a16:creationId xmlns="" xmlns:a16="http://schemas.microsoft.com/office/drawing/2014/main" id="{996642FC-2683-355E-51D5-2FDD97E73C63}"/>
               </a:ext>
             </a:extLst>
           </p:cNvPr>
@@ -15284,7 +15472,7 @@
           <p:cNvPr id="11" name="Content Placeholder 2">
             <a:extLst>
               <a:ext uri="{FF2B5EF4-FFF2-40B4-BE49-F238E27FC236}">
-                <a16:creationId xmlns:a16="http://schemas.microsoft.com/office/drawing/2014/main" xmlns="" id="{996642FC-2683-355E-51D5-2FDD97E73C63}"/>
+                <a16:creationId xmlns="" xmlns:a16="http://schemas.microsoft.com/office/drawing/2014/main" id="{996642FC-2683-355E-51D5-2FDD97E73C63}"/>
               </a:ext>
             </a:extLst>
           </p:cNvPr>
@@ -15497,7 +15685,7 @@
           <p:cNvPr id="12" name="Content Placeholder 2">
             <a:extLst>
               <a:ext uri="{FF2B5EF4-FFF2-40B4-BE49-F238E27FC236}">
-                <a16:creationId xmlns:a16="http://schemas.microsoft.com/office/drawing/2014/main" xmlns="" id="{996642FC-2683-355E-51D5-2FDD97E73C63}"/>
+                <a16:creationId xmlns="" xmlns:a16="http://schemas.microsoft.com/office/drawing/2014/main" id="{996642FC-2683-355E-51D5-2FDD97E73C63}"/>
               </a:ext>
             </a:extLst>
           </p:cNvPr>
@@ -15710,7 +15898,7 @@
           <p:cNvPr id="13" name="Content Placeholder 2">
             <a:extLst>
               <a:ext uri="{FF2B5EF4-FFF2-40B4-BE49-F238E27FC236}">
-                <a16:creationId xmlns:a16="http://schemas.microsoft.com/office/drawing/2014/main" xmlns="" id="{996642FC-2683-355E-51D5-2FDD97E73C63}"/>
+                <a16:creationId xmlns="" xmlns:a16="http://schemas.microsoft.com/office/drawing/2014/main" id="{996642FC-2683-355E-51D5-2FDD97E73C63}"/>
               </a:ext>
             </a:extLst>
           </p:cNvPr>
@@ -15730,7 +15918,7 @@
         </p:spPr>
         <p:txBody>
           <a:bodyPr vert="horz" lIns="91440" tIns="45720" rIns="91440" bIns="45720" rtlCol="0" anchor="ctr">
-            <a:normAutofit fontScale="85000" lnSpcReduction="10000"/>
+            <a:normAutofit fontScale="92500" lnSpcReduction="10000"/>
           </a:bodyPr>
           <a:lstStyle>
             <a:lvl1pPr marL="228600" indent="-228600" algn="l" defTabSz="914400" rtl="0" eaLnBrk="1" latinLnBrk="0" hangingPunct="1">
@@ -15968,7 +16156,7 @@
           <p:cNvPr id="5" name="Title 1">
             <a:extLst>
               <a:ext uri="{FF2B5EF4-FFF2-40B4-BE49-F238E27FC236}">
-                <a16:creationId xmlns:a16="http://schemas.microsoft.com/office/drawing/2014/main" xmlns="" id="{BCCDB550-8CD5-D5B9-7B45-C4AFCEE7A368}"/>
+                <a16:creationId xmlns="" xmlns:a16="http://schemas.microsoft.com/office/drawing/2014/main" id="{BCCDB550-8CD5-D5B9-7B45-C4AFCEE7A368}"/>
               </a:ext>
             </a:extLst>
           </p:cNvPr>
@@ -16027,7 +16215,7 @@
           <p:cNvPr id="6" name="Rectangle 5">
             <a:extLst>
               <a:ext uri="{FF2B5EF4-FFF2-40B4-BE49-F238E27FC236}">
-                <a16:creationId xmlns:a16="http://schemas.microsoft.com/office/drawing/2014/main" xmlns="" id="{DFDED218-0CEB-D90D-5B44-62D2F42AA924}"/>
+                <a16:creationId xmlns="" xmlns:a16="http://schemas.microsoft.com/office/drawing/2014/main" id="{DFDED218-0CEB-D90D-5B44-62D2F42AA924}"/>
               </a:ext>
             </a:extLst>
           </p:cNvPr>
@@ -16082,7 +16270,7 @@
           <p:cNvPr id="7" name="Content Placeholder 2">
             <a:extLst>
               <a:ext uri="{FF2B5EF4-FFF2-40B4-BE49-F238E27FC236}">
-                <a16:creationId xmlns:a16="http://schemas.microsoft.com/office/drawing/2014/main" xmlns="" id="{BEECE572-1612-EAE0-D87D-1CD2382E58A0}"/>
+                <a16:creationId xmlns="" xmlns:a16="http://schemas.microsoft.com/office/drawing/2014/main" id="{BEECE572-1612-EAE0-D87D-1CD2382E58A0}"/>
               </a:ext>
             </a:extLst>
           </p:cNvPr>
@@ -16295,7 +16483,7 @@
           <p:cNvPr id="8" name="Content Placeholder 2">
             <a:extLst>
               <a:ext uri="{FF2B5EF4-FFF2-40B4-BE49-F238E27FC236}">
-                <a16:creationId xmlns:a16="http://schemas.microsoft.com/office/drawing/2014/main" xmlns="" id="{570DA717-B3BE-3BEB-9855-75B7854F99A1}"/>
+                <a16:creationId xmlns="" xmlns:a16="http://schemas.microsoft.com/office/drawing/2014/main" id="{570DA717-B3BE-3BEB-9855-75B7854F99A1}"/>
               </a:ext>
             </a:extLst>
           </p:cNvPr>
@@ -16575,7 +16763,7 @@
           <p:cNvPr id="5" name="Title 1">
             <a:extLst>
               <a:ext uri="{FF2B5EF4-FFF2-40B4-BE49-F238E27FC236}">
-                <a16:creationId xmlns:a16="http://schemas.microsoft.com/office/drawing/2014/main" xmlns="" id="{BCCDB550-8CD5-D5B9-7B45-C4AFCEE7A368}"/>
+                <a16:creationId xmlns="" xmlns:a16="http://schemas.microsoft.com/office/drawing/2014/main" id="{BCCDB550-8CD5-D5B9-7B45-C4AFCEE7A368}"/>
               </a:ext>
             </a:extLst>
           </p:cNvPr>
@@ -16664,7 +16852,7 @@
           <p:cNvPr id="6" name="Rectangle 5">
             <a:extLst>
               <a:ext uri="{FF2B5EF4-FFF2-40B4-BE49-F238E27FC236}">
-                <a16:creationId xmlns:a16="http://schemas.microsoft.com/office/drawing/2014/main" xmlns="" id="{DFDED218-0CEB-D90D-5B44-62D2F42AA924}"/>
+                <a16:creationId xmlns="" xmlns:a16="http://schemas.microsoft.com/office/drawing/2014/main" id="{DFDED218-0CEB-D90D-5B44-62D2F42AA924}"/>
               </a:ext>
             </a:extLst>
           </p:cNvPr>
@@ -16719,7 +16907,7 @@
           <p:cNvPr id="7" name="Content Placeholder 2">
             <a:extLst>
               <a:ext uri="{FF2B5EF4-FFF2-40B4-BE49-F238E27FC236}">
-                <a16:creationId xmlns:a16="http://schemas.microsoft.com/office/drawing/2014/main" xmlns="" id="{570DA717-B3BE-3BEB-9855-75B7854F99A1}"/>
+                <a16:creationId xmlns="" xmlns:a16="http://schemas.microsoft.com/office/drawing/2014/main" id="{570DA717-B3BE-3BEB-9855-75B7854F99A1}"/>
               </a:ext>
             </a:extLst>
           </p:cNvPr>
@@ -16970,7 +17158,7 @@
           <p:cNvPr id="5" name="Title 1">
             <a:extLst>
               <a:ext uri="{FF2B5EF4-FFF2-40B4-BE49-F238E27FC236}">
-                <a16:creationId xmlns:a16="http://schemas.microsoft.com/office/drawing/2014/main" xmlns="" id="{BCCDB550-8CD5-D5B9-7B45-C4AFCEE7A368}"/>
+                <a16:creationId xmlns="" xmlns:a16="http://schemas.microsoft.com/office/drawing/2014/main" id="{BCCDB550-8CD5-D5B9-7B45-C4AFCEE7A368}"/>
               </a:ext>
             </a:extLst>
           </p:cNvPr>
@@ -17030,7 +17218,7 @@
           <p:cNvPr id="6" name="Rectangle 5">
             <a:extLst>
               <a:ext uri="{FF2B5EF4-FFF2-40B4-BE49-F238E27FC236}">
-                <a16:creationId xmlns:a16="http://schemas.microsoft.com/office/drawing/2014/main" xmlns="" id="{DFDED218-0CEB-D90D-5B44-62D2F42AA924}"/>
+                <a16:creationId xmlns="" xmlns:a16="http://schemas.microsoft.com/office/drawing/2014/main" id="{DFDED218-0CEB-D90D-5B44-62D2F42AA924}"/>
               </a:ext>
             </a:extLst>
           </p:cNvPr>
@@ -17102,7 +17290,7 @@
           <p:cNvPr id="7" name="Content Placeholder 2">
             <a:extLst>
               <a:ext uri="{FF2B5EF4-FFF2-40B4-BE49-F238E27FC236}">
-                <a16:creationId xmlns:a16="http://schemas.microsoft.com/office/drawing/2014/main" xmlns="" id="{570DA717-B3BE-3BEB-9855-75B7854F99A1}"/>
+                <a16:creationId xmlns="" xmlns:a16="http://schemas.microsoft.com/office/drawing/2014/main" id="{570DA717-B3BE-3BEB-9855-75B7854F99A1}"/>
               </a:ext>
             </a:extLst>
           </p:cNvPr>
